--- a/miniproject-final-JJCL.pptx
+++ b/miniproject-final-JJCL.pptx
@@ -5,10 +5,10 @@
     <p:sldMasterId id="2147483658" r:id="rId4"/>
   </p:sldMasterIdLst>
   <p:notesMasterIdLst>
-    <p:notesMasterId r:id="rId11"/>
+    <p:notesMasterId r:id="rId12"/>
   </p:notesMasterIdLst>
   <p:handoutMasterIdLst>
-    <p:handoutMasterId r:id="rId12"/>
+    <p:handoutMasterId r:id="rId13"/>
   </p:handoutMasterIdLst>
   <p:sldIdLst>
     <p:sldId id="410" r:id="rId5"/>
@@ -16,7 +16,8 @@
     <p:sldId id="391" r:id="rId7"/>
     <p:sldId id="408" r:id="rId8"/>
     <p:sldId id="411" r:id="rId9"/>
-    <p:sldId id="398" r:id="rId10"/>
+    <p:sldId id="412" r:id="rId10"/>
+    <p:sldId id="398" r:id="rId11"/>
   </p:sldIdLst>
   <p:sldSz cx="12192000" cy="6858000"/>
   <p:notesSz cx="6858000" cy="9144000"/>
@@ -151,7 +152,7 @@
   <pc:docChgLst>
     <pc:chgData name="Jesús Cantero" userId="811b4e6f03a26cda" providerId="LiveId" clId="{01534DDC-8237-4226-807D-07412264D1EC}"/>
     <pc:docChg chg="undo custSel addSld delSld modSld sldOrd">
-      <pc:chgData name="Jesús Cantero" userId="811b4e6f03a26cda" providerId="LiveId" clId="{01534DDC-8237-4226-807D-07412264D1EC}" dt="2024-12-14T17:46:17.319" v="218" actId="1076"/>
+      <pc:chgData name="Jesús Cantero" userId="811b4e6f03a26cda" providerId="LiveId" clId="{01534DDC-8237-4226-807D-07412264D1EC}" dt="2024-12-15T21:28:47.439" v="270" actId="1076"/>
       <pc:docMkLst>
         <pc:docMk/>
       </pc:docMkLst>
@@ -271,7 +272,7 @@
         </pc:sldMkLst>
       </pc:sldChg>
       <pc:sldChg chg="addSp delSp modSp add mod ord">
-        <pc:chgData name="Jesús Cantero" userId="811b4e6f03a26cda" providerId="LiveId" clId="{01534DDC-8237-4226-807D-07412264D1EC}" dt="2024-12-14T17:46:17.319" v="218" actId="1076"/>
+        <pc:chgData name="Jesús Cantero" userId="811b4e6f03a26cda" providerId="LiveId" clId="{01534DDC-8237-4226-807D-07412264D1EC}" dt="2024-12-15T21:28:47.439" v="270" actId="1076"/>
         <pc:sldMkLst>
           <pc:docMk/>
           <pc:sldMk cId="133422651" sldId="411"/>
@@ -285,7 +286,7 @@
           </ac:spMkLst>
         </pc:spChg>
         <pc:spChg chg="mod">
-          <ac:chgData name="Jesús Cantero" userId="811b4e6f03a26cda" providerId="LiveId" clId="{01534DDC-8237-4226-807D-07412264D1EC}" dt="2024-12-14T17:35:06.938" v="111" actId="20577"/>
+          <ac:chgData name="Jesús Cantero" userId="811b4e6f03a26cda" providerId="LiveId" clId="{01534DDC-8237-4226-807D-07412264D1EC}" dt="2024-12-15T21:22:39.972" v="241" actId="20577"/>
           <ac:spMkLst>
             <pc:docMk/>
             <pc:sldMk cId="133422651" sldId="411"/>
@@ -300,8 +301,8 @@
             <ac:spMk id="5" creationId="{5B1D5127-E0CE-E993-8BED-7890AABDFBFB}"/>
           </ac:spMkLst>
         </pc:spChg>
-        <pc:spChg chg="add mod">
-          <ac:chgData name="Jesús Cantero" userId="811b4e6f03a26cda" providerId="LiveId" clId="{01534DDC-8237-4226-807D-07412264D1EC}" dt="2024-12-14T17:46:17.319" v="218" actId="1076"/>
+        <pc:spChg chg="add del mod">
+          <ac:chgData name="Jesús Cantero" userId="811b4e6f03a26cda" providerId="LiveId" clId="{01534DDC-8237-4226-807D-07412264D1EC}" dt="2024-12-15T19:20:52.333" v="227" actId="478"/>
           <ac:spMkLst>
             <pc:docMk/>
             <pc:sldMk cId="133422651" sldId="411"/>
@@ -316,6 +317,68 @@
             <ac:picMk id="4" creationId="{907C9963-8A0E-EE2D-E17C-FF153C33B765}"/>
           </ac:picMkLst>
         </pc:picChg>
+        <pc:picChg chg="add mod">
+          <ac:chgData name="Jesús Cantero" userId="811b4e6f03a26cda" providerId="LiveId" clId="{01534DDC-8237-4226-807D-07412264D1EC}" dt="2024-12-15T21:28:44.657" v="269" actId="1076"/>
+          <ac:picMkLst>
+            <pc:docMk/>
+            <pc:sldMk cId="133422651" sldId="411"/>
+            <ac:picMk id="4" creationId="{ED707392-D326-4C8E-73AD-883B2DFF847E}"/>
+          </ac:picMkLst>
+        </pc:picChg>
+        <pc:picChg chg="add mod">
+          <ac:chgData name="Jesús Cantero" userId="811b4e6f03a26cda" providerId="LiveId" clId="{01534DDC-8237-4226-807D-07412264D1EC}" dt="2024-12-15T21:26:14.205" v="254" actId="1076"/>
+          <ac:picMkLst>
+            <pc:docMk/>
+            <pc:sldMk cId="133422651" sldId="411"/>
+            <ac:picMk id="6" creationId="{12B315BB-9CEC-F34C-3E1E-1AEB98A7282F}"/>
+          </ac:picMkLst>
+        </pc:picChg>
+        <pc:picChg chg="add mod">
+          <ac:chgData name="Jesús Cantero" userId="811b4e6f03a26cda" providerId="LiveId" clId="{01534DDC-8237-4226-807D-07412264D1EC}" dt="2024-12-15T21:26:18.342" v="255" actId="1076"/>
+          <ac:picMkLst>
+            <pc:docMk/>
+            <pc:sldMk cId="133422651" sldId="411"/>
+            <ac:picMk id="8" creationId="{FC717E49-A00D-A3CB-61EF-89E4F3DE33CC}"/>
+          </ac:picMkLst>
+        </pc:picChg>
+        <pc:picChg chg="add del mod">
+          <ac:chgData name="Jesús Cantero" userId="811b4e6f03a26cda" providerId="LiveId" clId="{01534DDC-8237-4226-807D-07412264D1EC}" dt="2024-12-15T21:26:11.112" v="253" actId="22"/>
+          <ac:picMkLst>
+            <pc:docMk/>
+            <pc:sldMk cId="133422651" sldId="411"/>
+            <ac:picMk id="10" creationId="{FEAA0910-6DF8-D1EB-C00A-9DC782C27721}"/>
+          </ac:picMkLst>
+        </pc:picChg>
+        <pc:picChg chg="add mod">
+          <ac:chgData name="Jesús Cantero" userId="811b4e6f03a26cda" providerId="LiveId" clId="{01534DDC-8237-4226-807D-07412264D1EC}" dt="2024-12-15T21:28:40.566" v="267" actId="1076"/>
+          <ac:picMkLst>
+            <pc:docMk/>
+            <pc:sldMk cId="133422651" sldId="411"/>
+            <ac:picMk id="12" creationId="{890D094D-09AB-B042-0C99-CDE6390B9974}"/>
+          </ac:picMkLst>
+        </pc:picChg>
+        <pc:picChg chg="add mod">
+          <ac:chgData name="Jesús Cantero" userId="811b4e6f03a26cda" providerId="LiveId" clId="{01534DDC-8237-4226-807D-07412264D1EC}" dt="2024-12-15T21:28:47.439" v="270" actId="1076"/>
+          <ac:picMkLst>
+            <pc:docMk/>
+            <pc:sldMk cId="133422651" sldId="411"/>
+            <ac:picMk id="14" creationId="{A9396A44-0EDB-CB7D-28F9-79443F6E9AA5}"/>
+          </ac:picMkLst>
+        </pc:picChg>
+      </pc:sldChg>
+      <pc:sldChg chg="add">
+        <pc:chgData name="Jesús Cantero" userId="811b4e6f03a26cda" providerId="LiveId" clId="{01534DDC-8237-4226-807D-07412264D1EC}" dt="2024-12-15T19:20:28.921" v="219" actId="2890"/>
+        <pc:sldMkLst>
+          <pc:docMk/>
+          <pc:sldMk cId="299417514" sldId="412"/>
+        </pc:sldMkLst>
+      </pc:sldChg>
+      <pc:sldChg chg="add del ord">
+        <pc:chgData name="Jesús Cantero" userId="811b4e6f03a26cda" providerId="LiveId" clId="{01534DDC-8237-4226-807D-07412264D1EC}" dt="2024-12-15T21:27:45.231" v="262" actId="47"/>
+        <pc:sldMkLst>
+          <pc:docMk/>
+          <pc:sldMk cId="4121171937" sldId="413"/>
+        </pc:sldMkLst>
       </pc:sldChg>
     </pc:docChg>
   </pc:docChgLst>
@@ -380,7 +443,7 @@
             <a:pPr rtl="0"/>
             <a:fld id="{E92A46E5-772B-4A8A-A167-62663A29553C}" type="datetime1">
               <a:rPr lang="es-ES" smtClean="0"/>
-              <a:t>14/12/2024</a:t>
+              <a:t>15/12/2024</a:t>
             </a:fld>
             <a:endParaRPr lang="es-ES" dirty="0"/>
           </a:p>
@@ -600,7 +663,7 @@
             <a:pPr rtl="0"/>
             <a:fld id="{16DB30B6-91B7-493F-B445-96E1D2848A7B}" type="datetime1">
               <a:rPr lang="es-ES" smtClean="0"/>
-              <a:t>14/12/2024</a:t>
+              <a:t>15/12/2024</a:t>
             </a:fld>
             <a:endParaRPr lang="es-ES" dirty="0"/>
           </a:p>
@@ -1378,6 +1441,124 @@
   <p:cSld>
     <p:spTree>
       <p:nvGrpSpPr>
+        <p:cNvPr id="1" name="">
+          <a:extLst>
+            <a:ext uri="{FF2B5EF4-FFF2-40B4-BE49-F238E27FC236}">
+              <a16:creationId xmlns:a16="http://schemas.microsoft.com/office/drawing/2014/main" id="{C21DF210-1E39-2CD9-7BE5-395789E2BE4D}"/>
+            </a:ext>
+          </a:extLst>
+        </p:cNvPr>
+        <p:cNvGrpSpPr/>
+        <p:nvPr/>
+      </p:nvGrpSpPr>
+      <p:grpSpPr>
+        <a:xfrm>
+          <a:off x="0" y="0"/>
+          <a:ext cx="0" cy="0"/>
+          <a:chOff x="0" y="0"/>
+          <a:chExt cx="0" cy="0"/>
+        </a:xfrm>
+      </p:grpSpPr>
+      <p:sp>
+        <p:nvSpPr>
+          <p:cNvPr id="2" name="Marcador de imagen de diapositiva 1">
+            <a:extLst>
+              <a:ext uri="{FF2B5EF4-FFF2-40B4-BE49-F238E27FC236}">
+                <a16:creationId xmlns:a16="http://schemas.microsoft.com/office/drawing/2014/main" id="{7E117C89-A533-0639-3731-163FC0831CB2}"/>
+              </a:ext>
+            </a:extLst>
+          </p:cNvPr>
+          <p:cNvSpPr>
+            <a:spLocks noGrp="1" noRot="1" noChangeAspect="1"/>
+          </p:cNvSpPr>
+          <p:nvPr>
+            <p:ph type="sldImg"/>
+          </p:nvPr>
+        </p:nvSpPr>
+        <p:spPr/>
+      </p:sp>
+      <p:sp>
+        <p:nvSpPr>
+          <p:cNvPr id="3" name="Marcador de notas 2">
+            <a:extLst>
+              <a:ext uri="{FF2B5EF4-FFF2-40B4-BE49-F238E27FC236}">
+                <a16:creationId xmlns:a16="http://schemas.microsoft.com/office/drawing/2014/main" id="{A5606E49-AC12-820C-C12B-50B4C1185C06}"/>
+              </a:ext>
+            </a:extLst>
+          </p:cNvPr>
+          <p:cNvSpPr>
+            <a:spLocks noGrp="1"/>
+          </p:cNvSpPr>
+          <p:nvPr>
+            <p:ph type="body" idx="1"/>
+          </p:nvPr>
+        </p:nvSpPr>
+        <p:spPr/>
+        <p:txBody>
+          <a:bodyPr rtlCol="0"/>
+          <a:lstStyle>
+            <a:defPPr>
+              <a:defRPr lang="es-ES"/>
+            </a:defPPr>
+          </a:lstStyle>
+          <a:p>
+            <a:pPr rtl="0"/>
+            <a:endParaRPr lang="es-ES" dirty="0"/>
+          </a:p>
+        </p:txBody>
+      </p:sp>
+      <p:sp>
+        <p:nvSpPr>
+          <p:cNvPr id="4" name="Marcador de número de diapositiva 3">
+            <a:extLst>
+              <a:ext uri="{FF2B5EF4-FFF2-40B4-BE49-F238E27FC236}">
+                <a16:creationId xmlns:a16="http://schemas.microsoft.com/office/drawing/2014/main" id="{460AC900-2C49-2610-F2C9-B0992B4E64DE}"/>
+              </a:ext>
+            </a:extLst>
+          </p:cNvPr>
+          <p:cNvSpPr>
+            <a:spLocks noGrp="1"/>
+          </p:cNvSpPr>
+          <p:nvPr>
+            <p:ph type="sldNum" sz="quarter" idx="5"/>
+          </p:nvPr>
+        </p:nvSpPr>
+        <p:spPr/>
+        <p:txBody>
+          <a:bodyPr rtlCol="0"/>
+          <a:lstStyle>
+            <a:defPPr>
+              <a:defRPr lang="es-ES"/>
+            </a:defPPr>
+          </a:lstStyle>
+          <a:p>
+            <a:pPr rtl="0"/>
+            <a:fld id="{A89C7E07-3C67-C64C-8DA0-0404F6303970}" type="slidenum">
+              <a:rPr lang="es-ES" smtClean="0"/>
+              <a:t>6</a:t>
+            </a:fld>
+            <a:endParaRPr lang="es-ES" dirty="0"/>
+          </a:p>
+        </p:txBody>
+      </p:sp>
+    </p:spTree>
+    <p:extLst>
+      <p:ext uri="{BB962C8B-B14F-4D97-AF65-F5344CB8AC3E}">
+        <p14:creationId xmlns:p14="http://schemas.microsoft.com/office/powerpoint/2010/main" val="1267730405"/>
+      </p:ext>
+    </p:extLst>
+  </p:cSld>
+  <p:clrMapOvr>
+    <a:masterClrMapping/>
+  </p:clrMapOvr>
+</p:notes>
+</file>
+
+<file path=ppt/notesSlides/notesSlide7.xml><?xml version="1.0" encoding="utf-8"?>
+<p:notes xmlns:a="http://schemas.openxmlformats.org/drawingml/2006/main" xmlns:r="http://schemas.openxmlformats.org/officeDocument/2006/relationships" xmlns:p="http://schemas.openxmlformats.org/presentationml/2006/main">
+  <p:cSld>
+    <p:spTree>
+      <p:nvGrpSpPr>
         <p:cNvPr id="1" name=""/>
         <p:cNvGrpSpPr/>
         <p:nvPr/>
@@ -1448,7 +1629,7 @@
             <a:pPr rtl="0"/>
             <a:fld id="{A89C7E07-3C67-C64C-8DA0-0404F6303970}" type="slidenum">
               <a:rPr lang="es-ES" smtClean="0"/>
-              <a:t>6</a:t>
+              <a:t>7</a:t>
             </a:fld>
             <a:endParaRPr lang="es-ES" dirty="0"/>
           </a:p>
@@ -10972,7 +11153,7 @@
             <a:pPr rtl="0"/>
             <a:r>
               <a:rPr lang="es-ES" dirty="0"/>
-              <a:t>Links</a:t>
+              <a:t>HTML/CSS</a:t>
             </a:r>
           </a:p>
         </p:txBody>
@@ -11324,12 +11505,583 @@
           </p:txBody>
         </p:sp>
       </p:grpSp>
+      <p:pic>
+        <p:nvPicPr>
+          <p:cNvPr id="4" name="Imagen 3">
+            <a:extLst>
+              <a:ext uri="{FF2B5EF4-FFF2-40B4-BE49-F238E27FC236}">
+                <a16:creationId xmlns:a16="http://schemas.microsoft.com/office/drawing/2014/main" id="{ED707392-D326-4C8E-73AD-883B2DFF847E}"/>
+              </a:ext>
+            </a:extLst>
+          </p:cNvPr>
+          <p:cNvPicPr>
+            <a:picLocks noChangeAspect="1"/>
+          </p:cNvPicPr>
+          <p:nvPr/>
+        </p:nvPicPr>
+        <p:blipFill>
+          <a:blip r:embed="rId3"/>
+          <a:stretch>
+            <a:fillRect/>
+          </a:stretch>
+        </p:blipFill>
+        <p:spPr>
+          <a:xfrm>
+            <a:off x="2959226" y="2057134"/>
+            <a:ext cx="4481872" cy="3679213"/>
+          </a:xfrm>
+          <a:prstGeom prst="rect">
+            <a:avLst/>
+          </a:prstGeom>
+        </p:spPr>
+      </p:pic>
+      <p:pic>
+        <p:nvPicPr>
+          <p:cNvPr id="6" name="Imagen 5">
+            <a:extLst>
+              <a:ext uri="{FF2B5EF4-FFF2-40B4-BE49-F238E27FC236}">
+                <a16:creationId xmlns:a16="http://schemas.microsoft.com/office/drawing/2014/main" id="{12B315BB-9CEC-F34C-3E1E-1AEB98A7282F}"/>
+              </a:ext>
+            </a:extLst>
+          </p:cNvPr>
+          <p:cNvPicPr>
+            <a:picLocks noChangeAspect="1"/>
+          </p:cNvPicPr>
+          <p:nvPr/>
+        </p:nvPicPr>
+        <p:blipFill>
+          <a:blip r:embed="rId4"/>
+          <a:stretch>
+            <a:fillRect/>
+          </a:stretch>
+        </p:blipFill>
+        <p:spPr>
+          <a:xfrm>
+            <a:off x="3580816" y="102875"/>
+            <a:ext cx="4396857" cy="1908839"/>
+          </a:xfrm>
+          <a:prstGeom prst="rect">
+            <a:avLst/>
+          </a:prstGeom>
+        </p:spPr>
+      </p:pic>
+      <p:pic>
+        <p:nvPicPr>
+          <p:cNvPr id="8" name="Imagen 7">
+            <a:extLst>
+              <a:ext uri="{FF2B5EF4-FFF2-40B4-BE49-F238E27FC236}">
+                <a16:creationId xmlns:a16="http://schemas.microsoft.com/office/drawing/2014/main" id="{FC717E49-A00D-A3CB-61EF-89E4F3DE33CC}"/>
+              </a:ext>
+            </a:extLst>
+          </p:cNvPr>
+          <p:cNvPicPr>
+            <a:picLocks noChangeAspect="1"/>
+          </p:cNvPicPr>
+          <p:nvPr/>
+        </p:nvPicPr>
+        <p:blipFill>
+          <a:blip r:embed="rId5"/>
+          <a:stretch>
+            <a:fillRect/>
+          </a:stretch>
+        </p:blipFill>
+        <p:spPr>
+          <a:xfrm>
+            <a:off x="8066690" y="102875"/>
+            <a:ext cx="3780077" cy="2432550"/>
+          </a:xfrm>
+          <a:prstGeom prst="rect">
+            <a:avLst/>
+          </a:prstGeom>
+        </p:spPr>
+      </p:pic>
+      <p:pic>
+        <p:nvPicPr>
+          <p:cNvPr id="12" name="Imagen 11">
+            <a:extLst>
+              <a:ext uri="{FF2B5EF4-FFF2-40B4-BE49-F238E27FC236}">
+                <a16:creationId xmlns:a16="http://schemas.microsoft.com/office/drawing/2014/main" id="{890D094D-09AB-B042-0C99-CDE6390B9974}"/>
+              </a:ext>
+            </a:extLst>
+          </p:cNvPr>
+          <p:cNvPicPr>
+            <a:picLocks noChangeAspect="1"/>
+          </p:cNvPicPr>
+          <p:nvPr/>
+        </p:nvPicPr>
+        <p:blipFill>
+          <a:blip r:embed="rId6"/>
+          <a:stretch>
+            <a:fillRect/>
+          </a:stretch>
+        </p:blipFill>
+        <p:spPr>
+          <a:xfrm>
+            <a:off x="8888561" y="2649044"/>
+            <a:ext cx="2579539" cy="3726001"/>
+          </a:xfrm>
+          <a:prstGeom prst="rect">
+            <a:avLst/>
+          </a:prstGeom>
+        </p:spPr>
+      </p:pic>
+      <p:pic>
+        <p:nvPicPr>
+          <p:cNvPr id="14" name="Imagen 13">
+            <a:extLst>
+              <a:ext uri="{FF2B5EF4-FFF2-40B4-BE49-F238E27FC236}">
+                <a16:creationId xmlns:a16="http://schemas.microsoft.com/office/drawing/2014/main" id="{A9396A44-0EDB-CB7D-28F9-79443F6E9AA5}"/>
+              </a:ext>
+            </a:extLst>
+          </p:cNvPr>
+          <p:cNvPicPr>
+            <a:picLocks noChangeAspect="1"/>
+          </p:cNvPicPr>
+          <p:nvPr/>
+        </p:nvPicPr>
+        <p:blipFill>
+          <a:blip r:embed="rId7"/>
+          <a:stretch>
+            <a:fillRect/>
+          </a:stretch>
+        </p:blipFill>
+        <p:spPr>
+          <a:xfrm flipV="1">
+            <a:off x="2851989" y="5846244"/>
+            <a:ext cx="5703575" cy="716214"/>
+          </a:xfrm>
+          <a:prstGeom prst="rect">
+            <a:avLst/>
+          </a:prstGeom>
+        </p:spPr>
+      </p:pic>
+    </p:spTree>
+    <p:extLst>
+      <p:ext uri="{BB962C8B-B14F-4D97-AF65-F5344CB8AC3E}">
+        <p14:creationId xmlns:p14="http://schemas.microsoft.com/office/powerpoint/2010/main" val="133422651"/>
+      </p:ext>
+    </p:extLst>
+  </p:cSld>
+  <p:clrMapOvr>
+    <a:masterClrMapping/>
+  </p:clrMapOvr>
+</p:sld>
+</file>
+
+<file path=ppt/slides/slide6.xml><?xml version="1.0" encoding="utf-8"?>
+<p:sld xmlns:a="http://schemas.openxmlformats.org/drawingml/2006/main" xmlns:r="http://schemas.openxmlformats.org/officeDocument/2006/relationships" xmlns:p="http://schemas.openxmlformats.org/presentationml/2006/main">
+  <p:cSld>
+    <p:spTree>
+      <p:nvGrpSpPr>
+        <p:cNvPr id="1" name="">
+          <a:extLst>
+            <a:ext uri="{FF2B5EF4-FFF2-40B4-BE49-F238E27FC236}">
+              <a16:creationId xmlns:a16="http://schemas.microsoft.com/office/drawing/2014/main" id="{F8599F9B-DD66-BA10-74A8-9CD20C13C55D}"/>
+            </a:ext>
+          </a:extLst>
+        </p:cNvPr>
+        <p:cNvGrpSpPr/>
+        <p:nvPr/>
+      </p:nvGrpSpPr>
+      <p:grpSpPr>
+        <a:xfrm>
+          <a:off x="0" y="0"/>
+          <a:ext cx="0" cy="0"/>
+          <a:chOff x="0" y="0"/>
+          <a:chExt cx="0" cy="0"/>
+        </a:xfrm>
+      </p:grpSpPr>
+      <p:sp>
+        <p:nvSpPr>
+          <p:cNvPr id="3" name="Título 2">
+            <a:extLst>
+              <a:ext uri="{FF2B5EF4-FFF2-40B4-BE49-F238E27FC236}">
+                <a16:creationId xmlns:a16="http://schemas.microsoft.com/office/drawing/2014/main" id="{0D1F2269-37C7-F877-6FAF-5962A048DD5F}"/>
+              </a:ext>
+            </a:extLst>
+          </p:cNvPr>
+          <p:cNvSpPr>
+            <a:spLocks noGrp="1"/>
+          </p:cNvSpPr>
+          <p:nvPr>
+            <p:ph type="title"/>
+          </p:nvPr>
+        </p:nvSpPr>
+        <p:spPr>
+          <a:xfrm>
+            <a:off x="594360" y="102875"/>
+            <a:ext cx="10873740" cy="1680205"/>
+          </a:xfrm>
+        </p:spPr>
+        <p:txBody>
+          <a:bodyPr rtlCol="0"/>
+          <a:lstStyle>
+            <a:defPPr>
+              <a:defRPr lang="es-ES"/>
+            </a:defPPr>
+          </a:lstStyle>
+          <a:p>
+            <a:pPr rtl="0"/>
+            <a:r>
+              <a:rPr lang="es-ES" dirty="0"/>
+              <a:t>Links</a:t>
+            </a:r>
+          </a:p>
+        </p:txBody>
+      </p:sp>
+      <p:grpSp>
+        <p:nvGrpSpPr>
+          <p:cNvPr id="19" name="Grupo 18">
+            <a:extLst>
+              <a:ext uri="{FF2B5EF4-FFF2-40B4-BE49-F238E27FC236}">
+                <a16:creationId xmlns:a16="http://schemas.microsoft.com/office/drawing/2014/main" id="{47D9A9F6-2245-2B5C-F9A5-E7E09710D0E8}"/>
+              </a:ext>
+              <a:ext uri="{C183D7F6-B498-43B3-948B-1728B52AA6E4}">
+                <adec:decorative xmlns:adec="http://schemas.microsoft.com/office/drawing/2017/decorative" val="1"/>
+              </a:ext>
+            </a:extLst>
+          </p:cNvPr>
+          <p:cNvGrpSpPr>
+            <a:grpSpLocks/>
+          </p:cNvGrpSpPr>
+          <p:nvPr/>
+        </p:nvGrpSpPr>
+        <p:grpSpPr bwMode="auto">
+          <a:xfrm rot="16200000" flipV="1">
+            <a:off x="0" y="3900132"/>
+            <a:ext cx="2959226" cy="2959226"/>
+            <a:chOff x="0" y="12289"/>
+            <a:chExt cx="3550" cy="3551"/>
+          </a:xfrm>
+        </p:grpSpPr>
+        <p:sp>
+          <p:nvSpPr>
+            <p:cNvPr id="20" name="Forma libre 19">
+              <a:extLst>
+                <a:ext uri="{FF2B5EF4-FFF2-40B4-BE49-F238E27FC236}">
+                  <a16:creationId xmlns:a16="http://schemas.microsoft.com/office/drawing/2014/main" id="{04068578-E8DC-9C1F-2982-DB8D117F4A7E}"/>
+                </a:ext>
+              </a:extLst>
+            </p:cNvPr>
+            <p:cNvSpPr>
+              <a:spLocks/>
+            </p:cNvSpPr>
+            <p:nvPr/>
+          </p:nvSpPr>
+          <p:spPr bwMode="auto">
+            <a:xfrm>
+              <a:off x="0" y="12289"/>
+              <a:ext cx="1789" cy="2386"/>
+            </a:xfrm>
+            <a:custGeom>
+              <a:avLst/>
+              <a:gdLst>
+                <a:gd name="T0" fmla="*/ 0 w 1789"/>
+                <a:gd name="T1" fmla="+- 0 12290 12290"/>
+                <a:gd name="T2" fmla="*/ 12290 h 2386"/>
+                <a:gd name="T3" fmla="*/ 0 w 1789"/>
+                <a:gd name="T4" fmla="+- 0 13484 12290"/>
+                <a:gd name="T5" fmla="*/ 13484 h 2386"/>
+                <a:gd name="T6" fmla="*/ 1192 w 1789"/>
+                <a:gd name="T7" fmla="+- 0 14676 12290"/>
+                <a:gd name="T8" fmla="*/ 14676 h 2386"/>
+                <a:gd name="T9" fmla="*/ 1789 w 1789"/>
+                <a:gd name="T10" fmla="+- 0 14079 12290"/>
+                <a:gd name="T11" fmla="*/ 14079 h 2386"/>
+                <a:gd name="T12" fmla="*/ 0 w 1789"/>
+                <a:gd name="T13" fmla="+- 0 12290 12290"/>
+                <a:gd name="T14" fmla="*/ 12290 h 2386"/>
+              </a:gdLst>
+              <a:ahLst/>
+              <a:cxnLst>
+                <a:cxn ang="0">
+                  <a:pos x="T0" y="T2"/>
+                </a:cxn>
+                <a:cxn ang="0">
+                  <a:pos x="T3" y="T5"/>
+                </a:cxn>
+                <a:cxn ang="0">
+                  <a:pos x="T6" y="T8"/>
+                </a:cxn>
+                <a:cxn ang="0">
+                  <a:pos x="T9" y="T11"/>
+                </a:cxn>
+                <a:cxn ang="0">
+                  <a:pos x="T12" y="T14"/>
+                </a:cxn>
+              </a:cxnLst>
+              <a:rect l="0" t="0" r="r" b="b"/>
+              <a:pathLst>
+                <a:path w="1789" h="2386">
+                  <a:moveTo>
+                    <a:pt x="0" y="0"/>
+                  </a:moveTo>
+                  <a:lnTo>
+                    <a:pt x="0" y="1194"/>
+                  </a:lnTo>
+                  <a:lnTo>
+                    <a:pt x="1192" y="2386"/>
+                  </a:lnTo>
+                  <a:lnTo>
+                    <a:pt x="1789" y="1789"/>
+                  </a:lnTo>
+                  <a:lnTo>
+                    <a:pt x="0" y="0"/>
+                  </a:lnTo>
+                  <a:close/>
+                </a:path>
+              </a:pathLst>
+            </a:custGeom>
+            <a:solidFill>
+              <a:schemeClr val="accent6"/>
+            </a:solidFill>
+            <a:ln>
+              <a:noFill/>
+            </a:ln>
+            <a:extLst>
+              <a:ext uri="{91240B29-F687-4F45-9708-019B960494DF}">
+                <a14:hiddenLine xmlns:a14="http://schemas.microsoft.com/office/drawing/2010/main" w="9525">
+                  <a:solidFill>
+                    <a:srgbClr val="000000"/>
+                  </a:solidFill>
+                  <a:round/>
+                  <a:headEnd/>
+                  <a:tailEnd/>
+                </a14:hiddenLine>
+              </a:ext>
+            </a:extLst>
+          </p:spPr>
+          <p:txBody>
+            <a:bodyPr rot="0" vert="horz" wrap="square" lIns="91440" tIns="45720" rIns="91440" bIns="45720" rtlCol="0" anchor="t" anchorCtr="0" upright="1">
+              <a:noAutofit/>
+            </a:bodyPr>
+            <a:lstStyle>
+              <a:defPPr>
+                <a:defRPr lang="es-ES"/>
+              </a:defPPr>
+            </a:lstStyle>
+            <a:p>
+              <a:pPr rtl="0"/>
+              <a:endParaRPr lang="es-ES" dirty="0"/>
+            </a:p>
+          </p:txBody>
+        </p:sp>
+        <p:sp>
+          <p:nvSpPr>
+            <p:cNvPr id="21" name="Forma libre 20">
+              <a:extLst>
+                <a:ext uri="{FF2B5EF4-FFF2-40B4-BE49-F238E27FC236}">
+                  <a16:creationId xmlns:a16="http://schemas.microsoft.com/office/drawing/2014/main" id="{CE73CBAE-F146-59E7-0B25-6EA851B02721}"/>
+                </a:ext>
+              </a:extLst>
+            </p:cNvPr>
+            <p:cNvSpPr>
+              <a:spLocks/>
+            </p:cNvSpPr>
+            <p:nvPr/>
+          </p:nvSpPr>
+          <p:spPr bwMode="auto">
+            <a:xfrm>
+              <a:off x="0" y="14678"/>
+              <a:ext cx="1162" cy="1162"/>
+            </a:xfrm>
+            <a:custGeom>
+              <a:avLst/>
+              <a:gdLst>
+                <a:gd name="T0" fmla="*/ 0 w 1162"/>
+                <a:gd name="T1" fmla="+- 0 14679 14679"/>
+                <a:gd name="T2" fmla="*/ 14679 h 1162"/>
+                <a:gd name="T3" fmla="*/ 0 w 1162"/>
+                <a:gd name="T4" fmla="+- 0 15840 14679"/>
+                <a:gd name="T5" fmla="*/ 15840 h 1162"/>
+                <a:gd name="T6" fmla="*/ 1161 w 1162"/>
+                <a:gd name="T7" fmla="+- 0 15840 14679"/>
+                <a:gd name="T8" fmla="*/ 15840 h 1162"/>
+                <a:gd name="T9" fmla="*/ 0 w 1162"/>
+                <a:gd name="T10" fmla="+- 0 14679 14679"/>
+                <a:gd name="T11" fmla="*/ 14679 h 1162"/>
+              </a:gdLst>
+              <a:ahLst/>
+              <a:cxnLst>
+                <a:cxn ang="0">
+                  <a:pos x="T0" y="T2"/>
+                </a:cxn>
+                <a:cxn ang="0">
+                  <a:pos x="T3" y="T5"/>
+                </a:cxn>
+                <a:cxn ang="0">
+                  <a:pos x="T6" y="T8"/>
+                </a:cxn>
+                <a:cxn ang="0">
+                  <a:pos x="T9" y="T11"/>
+                </a:cxn>
+              </a:cxnLst>
+              <a:rect l="0" t="0" r="r" b="b"/>
+              <a:pathLst>
+                <a:path w="1162" h="1162">
+                  <a:moveTo>
+                    <a:pt x="0" y="0"/>
+                  </a:moveTo>
+                  <a:lnTo>
+                    <a:pt x="0" y="1161"/>
+                  </a:lnTo>
+                  <a:lnTo>
+                    <a:pt x="1161" y="1161"/>
+                  </a:lnTo>
+                  <a:lnTo>
+                    <a:pt x="0" y="0"/>
+                  </a:lnTo>
+                  <a:close/>
+                </a:path>
+              </a:pathLst>
+            </a:custGeom>
+            <a:solidFill>
+              <a:schemeClr val="tx2"/>
+            </a:solidFill>
+            <a:ln>
+              <a:noFill/>
+            </a:ln>
+            <a:extLst>
+              <a:ext uri="{91240B29-F687-4F45-9708-019B960494DF}">
+                <a14:hiddenLine xmlns:a14="http://schemas.microsoft.com/office/drawing/2010/main" w="9525">
+                  <a:solidFill>
+                    <a:srgbClr val="000000"/>
+                  </a:solidFill>
+                  <a:round/>
+                  <a:headEnd/>
+                  <a:tailEnd/>
+                </a14:hiddenLine>
+              </a:ext>
+            </a:extLst>
+          </p:spPr>
+          <p:txBody>
+            <a:bodyPr rot="0" vert="horz" wrap="square" lIns="91440" tIns="45720" rIns="91440" bIns="45720" rtlCol="0" anchor="t" anchorCtr="0" upright="1">
+              <a:noAutofit/>
+            </a:bodyPr>
+            <a:lstStyle>
+              <a:defPPr>
+                <a:defRPr lang="es-ES"/>
+              </a:defPPr>
+            </a:lstStyle>
+            <a:p>
+              <a:pPr rtl="0"/>
+              <a:endParaRPr lang="es-ES" dirty="0"/>
+            </a:p>
+          </p:txBody>
+        </p:sp>
+        <p:sp>
+          <p:nvSpPr>
+            <p:cNvPr id="22" name="Forma libre 21">
+              <a:extLst>
+                <a:ext uri="{FF2B5EF4-FFF2-40B4-BE49-F238E27FC236}">
+                  <a16:creationId xmlns:a16="http://schemas.microsoft.com/office/drawing/2014/main" id="{CAC842CD-77E7-AA35-5C63-36D16C2C50E8}"/>
+                </a:ext>
+              </a:extLst>
+            </p:cNvPr>
+            <p:cNvSpPr>
+              <a:spLocks/>
+            </p:cNvSpPr>
+            <p:nvPr/>
+          </p:nvSpPr>
+          <p:spPr bwMode="auto">
+            <a:xfrm>
+              <a:off x="1221" y="14675"/>
+              <a:ext cx="2329" cy="1165"/>
+            </a:xfrm>
+            <a:custGeom>
+              <a:avLst/>
+              <a:gdLst>
+                <a:gd name="T0" fmla="+- 0 3550 1221"/>
+                <a:gd name="T1" fmla="*/ T0 w 2329"/>
+                <a:gd name="T2" fmla="+- 0 15840 14676"/>
+                <a:gd name="T3" fmla="*/ 15840 h 1165"/>
+                <a:gd name="T4" fmla="+- 0 2386 1221"/>
+                <a:gd name="T5" fmla="*/ T4 w 2329"/>
+                <a:gd name="T6" fmla="+- 0 14676 14676"/>
+                <a:gd name="T7" fmla="*/ 14676 h 1165"/>
+                <a:gd name="T8" fmla="+- 0 1221 1221"/>
+                <a:gd name="T9" fmla="*/ T8 w 2329"/>
+                <a:gd name="T10" fmla="+- 0 15840 14676"/>
+                <a:gd name="T11" fmla="*/ 15840 h 1165"/>
+                <a:gd name="T12" fmla="+- 0 3550 1221"/>
+                <a:gd name="T13" fmla="*/ T12 w 2329"/>
+                <a:gd name="T14" fmla="+- 0 15840 14676"/>
+                <a:gd name="T15" fmla="*/ 15840 h 1165"/>
+              </a:gdLst>
+              <a:ahLst/>
+              <a:cxnLst>
+                <a:cxn ang="0">
+                  <a:pos x="T1" y="T3"/>
+                </a:cxn>
+                <a:cxn ang="0">
+                  <a:pos x="T5" y="T7"/>
+                </a:cxn>
+                <a:cxn ang="0">
+                  <a:pos x="T9" y="T11"/>
+                </a:cxn>
+                <a:cxn ang="0">
+                  <a:pos x="T13" y="T15"/>
+                </a:cxn>
+              </a:cxnLst>
+              <a:rect l="0" t="0" r="r" b="b"/>
+              <a:pathLst>
+                <a:path w="2329" h="1165">
+                  <a:moveTo>
+                    <a:pt x="2329" y="1164"/>
+                  </a:moveTo>
+                  <a:lnTo>
+                    <a:pt x="1165" y="0"/>
+                  </a:lnTo>
+                  <a:lnTo>
+                    <a:pt x="0" y="1164"/>
+                  </a:lnTo>
+                  <a:lnTo>
+                    <a:pt x="2329" y="1164"/>
+                  </a:lnTo>
+                </a:path>
+              </a:pathLst>
+            </a:custGeom>
+            <a:solidFill>
+              <a:schemeClr val="accent3"/>
+            </a:solidFill>
+            <a:ln>
+              <a:noFill/>
+            </a:ln>
+            <a:extLst>
+              <a:ext uri="{91240B29-F687-4F45-9708-019B960494DF}">
+                <a14:hiddenLine xmlns:a14="http://schemas.microsoft.com/office/drawing/2010/main" w="9525">
+                  <a:solidFill>
+                    <a:srgbClr val="000000"/>
+                  </a:solidFill>
+                  <a:round/>
+                  <a:headEnd/>
+                  <a:tailEnd/>
+                </a14:hiddenLine>
+              </a:ext>
+            </a:extLst>
+          </p:spPr>
+          <p:txBody>
+            <a:bodyPr rot="0" vert="horz" wrap="square" lIns="91440" tIns="45720" rIns="91440" bIns="45720" rtlCol="0" anchor="t" anchorCtr="0" upright="1">
+              <a:noAutofit/>
+            </a:bodyPr>
+            <a:lstStyle>
+              <a:defPPr>
+                <a:defRPr lang="es-ES"/>
+              </a:defPPr>
+            </a:lstStyle>
+            <a:p>
+              <a:pPr rtl="0"/>
+              <a:endParaRPr lang="es-ES" dirty="0"/>
+            </a:p>
+          </p:txBody>
+        </p:sp>
+      </p:grpSp>
       <p:sp>
         <p:nvSpPr>
           <p:cNvPr id="7" name="CuadroTexto 6">
             <a:extLst>
               <a:ext uri="{FF2B5EF4-FFF2-40B4-BE49-F238E27FC236}">
-                <a16:creationId xmlns:a16="http://schemas.microsoft.com/office/drawing/2014/main" id="{3CED98BC-1A07-21D3-4F8F-94E546691847}"/>
+                <a16:creationId xmlns:a16="http://schemas.microsoft.com/office/drawing/2014/main" id="{D9781831-4C51-A834-4FFC-907CAFC97B39}"/>
               </a:ext>
             </a:extLst>
           </p:cNvPr>
@@ -11464,7 +12216,7 @@
     </p:spTree>
     <p:extLst>
       <p:ext uri="{BB962C8B-B14F-4D97-AF65-F5344CB8AC3E}">
-        <p14:creationId xmlns:p14="http://schemas.microsoft.com/office/powerpoint/2010/main" val="133422651"/>
+        <p14:creationId xmlns:p14="http://schemas.microsoft.com/office/powerpoint/2010/main" val="299417514"/>
       </p:ext>
     </p:extLst>
   </p:cSld>
@@ -11474,7 +12226,7 @@
 </p:sld>
 </file>
 
-<file path=ppt/slides/slide6.xml><?xml version="1.0" encoding="utf-8"?>
+<file path=ppt/slides/slide7.xml><?xml version="1.0" encoding="utf-8"?>
 <p:sld xmlns:a="http://schemas.openxmlformats.org/drawingml/2006/main" xmlns:r="http://schemas.openxmlformats.org/officeDocument/2006/relationships" xmlns:p="http://schemas.openxmlformats.org/presentationml/2006/main">
   <p:cSld>
     <p:spTree>

--- a/miniproject-final-JJCL.pptx
+++ b/miniproject-final-JJCL.pptx
@@ -152,7 +152,7 @@
   <pc:docChgLst>
     <pc:chgData name="Jesús Cantero" userId="811b4e6f03a26cda" providerId="LiveId" clId="{01534DDC-8237-4226-807D-07412264D1EC}"/>
     <pc:docChg chg="undo custSel addSld delSld modSld sldOrd">
-      <pc:chgData name="Jesús Cantero" userId="811b4e6f03a26cda" providerId="LiveId" clId="{01534DDC-8237-4226-807D-07412264D1EC}" dt="2024-12-15T21:28:47.439" v="270" actId="1076"/>
+      <pc:chgData name="Jesús Cantero" userId="811b4e6f03a26cda" providerId="LiveId" clId="{01534DDC-8237-4226-807D-07412264D1EC}" dt="2024-12-20T18:29:17.323" v="294" actId="1076"/>
       <pc:docMkLst>
         <pc:docMk/>
       </pc:docMkLst>
@@ -179,7 +179,7 @@
         </pc:sldMkLst>
       </pc:sldChg>
       <pc:sldChg chg="addSp delSp modSp mod">
-        <pc:chgData name="Jesús Cantero" userId="811b4e6f03a26cda" providerId="LiveId" clId="{01534DDC-8237-4226-807D-07412264D1EC}" dt="2024-12-14T17:32:54.052" v="70" actId="1076"/>
+        <pc:chgData name="Jesús Cantero" userId="811b4e6f03a26cda" providerId="LiveId" clId="{01534DDC-8237-4226-807D-07412264D1EC}" dt="2024-12-20T18:26:46.487" v="275" actId="14100"/>
         <pc:sldMkLst>
           <pc:docMk/>
           <pc:sldMk cId="3200312026" sldId="391"/>
@@ -192,25 +192,25 @@
             <ac:spMk id="3" creationId="{545D3755-C3E2-975E-DE68-CDECC4B526EC}"/>
           </ac:spMkLst>
         </pc:spChg>
-        <pc:spChg chg="del mod">
-          <ac:chgData name="Jesús Cantero" userId="811b4e6f03a26cda" providerId="LiveId" clId="{01534DDC-8237-4226-807D-07412264D1EC}" dt="2024-12-14T17:32:30.198" v="67" actId="478"/>
-          <ac:spMkLst>
-            <pc:docMk/>
-            <pc:sldMk cId="3200312026" sldId="391"/>
-            <ac:spMk id="7" creationId="{F70BD87D-F7DA-961B-4024-A354DC87D168}"/>
-          </ac:spMkLst>
-        </pc:spChg>
-        <pc:picChg chg="add mod">
-          <ac:chgData name="Jesús Cantero" userId="811b4e6f03a26cda" providerId="LiveId" clId="{01534DDC-8237-4226-807D-07412264D1EC}" dt="2024-12-14T17:32:54.052" v="70" actId="1076"/>
+        <pc:picChg chg="add del mod">
+          <ac:chgData name="Jesús Cantero" userId="811b4e6f03a26cda" providerId="LiveId" clId="{01534DDC-8237-4226-807D-07412264D1EC}" dt="2024-12-20T18:26:36.167" v="271" actId="478"/>
           <ac:picMkLst>
             <pc:docMk/>
             <pc:sldMk cId="3200312026" sldId="391"/>
             <ac:picMk id="4" creationId="{182C52BC-AE08-F4B2-DEEF-EAE2151C2271}"/>
           </ac:picMkLst>
         </pc:picChg>
+        <pc:picChg chg="add mod">
+          <ac:chgData name="Jesús Cantero" userId="811b4e6f03a26cda" providerId="LiveId" clId="{01534DDC-8237-4226-807D-07412264D1EC}" dt="2024-12-20T18:26:46.487" v="275" actId="14100"/>
+          <ac:picMkLst>
+            <pc:docMk/>
+            <pc:sldMk cId="3200312026" sldId="391"/>
+            <ac:picMk id="5" creationId="{86E8FFC4-3B20-1858-5281-F964EAC3C2B8}"/>
+          </ac:picMkLst>
+        </pc:picChg>
       </pc:sldChg>
       <pc:sldChg chg="addSp delSp modSp mod">
-        <pc:chgData name="Jesús Cantero" userId="811b4e6f03a26cda" providerId="LiveId" clId="{01534DDC-8237-4226-807D-07412264D1EC}" dt="2024-12-14T17:34:44.637" v="103" actId="1076"/>
+        <pc:chgData name="Jesús Cantero" userId="811b4e6f03a26cda" providerId="LiveId" clId="{01534DDC-8237-4226-807D-07412264D1EC}" dt="2024-12-20T18:29:17.323" v="294" actId="1076"/>
         <pc:sldMkLst>
           <pc:docMk/>
           <pc:sldMk cId="888484295" sldId="408"/>
@@ -223,40 +223,40 @@
             <ac:spMk id="2" creationId="{805346ED-721D-85EE-2F1B-A31D0912DE29}"/>
           </ac:spMkLst>
         </pc:spChg>
-        <pc:spChg chg="del">
-          <ac:chgData name="Jesús Cantero" userId="811b4e6f03a26cda" providerId="LiveId" clId="{01534DDC-8237-4226-807D-07412264D1EC}" dt="2024-12-14T17:33:45.354" v="90" actId="478"/>
-          <ac:spMkLst>
-            <pc:docMk/>
-            <pc:sldMk cId="888484295" sldId="408"/>
-            <ac:spMk id="3" creationId="{DB097449-5B72-ADA0-3B2D-1CBC160D6B90}"/>
-          </ac:spMkLst>
-        </pc:spChg>
-        <pc:spChg chg="add del mod">
-          <ac:chgData name="Jesús Cantero" userId="811b4e6f03a26cda" providerId="LiveId" clId="{01534DDC-8237-4226-807D-07412264D1EC}" dt="2024-12-14T17:33:47.972" v="93" actId="478"/>
-          <ac:spMkLst>
-            <pc:docMk/>
-            <pc:sldMk cId="888484295" sldId="408"/>
-            <ac:spMk id="5" creationId="{94682352-CC09-7194-8D0B-26537D5BE3B8}"/>
-          </ac:spMkLst>
-        </pc:spChg>
-        <pc:picChg chg="add del">
-          <ac:chgData name="Jesús Cantero" userId="811b4e6f03a26cda" providerId="LiveId" clId="{01534DDC-8237-4226-807D-07412264D1EC}" dt="2024-12-14T17:33:46.380" v="92" actId="22"/>
+        <pc:picChg chg="add del mod">
+          <ac:chgData name="Jesús Cantero" userId="811b4e6f03a26cda" providerId="LiveId" clId="{01534DDC-8237-4226-807D-07412264D1EC}" dt="2024-12-20T18:28:17.799" v="282" actId="22"/>
           <ac:picMkLst>
             <pc:docMk/>
             <pc:sldMk cId="888484295" sldId="408"/>
-            <ac:picMk id="7" creationId="{133EDC5E-A529-EBE6-F34E-0A9C30D229D7}"/>
+            <ac:picMk id="4" creationId="{1FB633E4-258B-FE77-1E8C-2C1ABE668D39}"/>
           </ac:picMkLst>
         </pc:picChg>
         <pc:picChg chg="add mod">
-          <ac:chgData name="Jesús Cantero" userId="811b4e6f03a26cda" providerId="LiveId" clId="{01534DDC-8237-4226-807D-07412264D1EC}" dt="2024-12-14T17:33:57.969" v="98" actId="1076"/>
+          <ac:chgData name="Jesús Cantero" userId="811b4e6f03a26cda" providerId="LiveId" clId="{01534DDC-8237-4226-807D-07412264D1EC}" dt="2024-12-20T18:28:42.214" v="288" actId="1076"/>
+          <ac:picMkLst>
+            <pc:docMk/>
+            <pc:sldMk cId="888484295" sldId="408"/>
+            <ac:picMk id="6" creationId="{5F36D37E-D6A5-4020-B7CD-A2F605340353}"/>
+          </ac:picMkLst>
+        </pc:picChg>
+        <pc:picChg chg="add mod">
+          <ac:chgData name="Jesús Cantero" userId="811b4e6f03a26cda" providerId="LiveId" clId="{01534DDC-8237-4226-807D-07412264D1EC}" dt="2024-12-20T18:29:17.323" v="294" actId="1076"/>
+          <ac:picMkLst>
+            <pc:docMk/>
+            <pc:sldMk cId="888484295" sldId="408"/>
+            <ac:picMk id="8" creationId="{38E51C92-5104-6A89-79C9-DC29A69BC3B3}"/>
+          </ac:picMkLst>
+        </pc:picChg>
+        <pc:picChg chg="add del mod">
+          <ac:chgData name="Jesús Cantero" userId="811b4e6f03a26cda" providerId="LiveId" clId="{01534DDC-8237-4226-807D-07412264D1EC}" dt="2024-12-20T18:28:08.317" v="276" actId="478"/>
           <ac:picMkLst>
             <pc:docMk/>
             <pc:sldMk cId="888484295" sldId="408"/>
             <ac:picMk id="9" creationId="{C01A74D9-8F7F-DBCA-A7EA-9A1E9389461B}"/>
           </ac:picMkLst>
         </pc:picChg>
-        <pc:picChg chg="add mod">
-          <ac:chgData name="Jesús Cantero" userId="811b4e6f03a26cda" providerId="LiveId" clId="{01534DDC-8237-4226-807D-07412264D1EC}" dt="2024-12-14T17:34:44.637" v="103" actId="1076"/>
+        <pc:picChg chg="add del mod">
+          <ac:chgData name="Jesús Cantero" userId="811b4e6f03a26cda" providerId="LiveId" clId="{01534DDC-8237-4226-807D-07412264D1EC}" dt="2024-12-20T18:29:08.120" v="289" actId="478"/>
           <ac:picMkLst>
             <pc:docMk/>
             <pc:sldMk cId="888484295" sldId="408"/>
@@ -277,14 +277,6 @@
           <pc:docMk/>
           <pc:sldMk cId="133422651" sldId="411"/>
         </pc:sldMkLst>
-        <pc:spChg chg="add del mod">
-          <ac:chgData name="Jesús Cantero" userId="811b4e6f03a26cda" providerId="LiveId" clId="{01534DDC-8237-4226-807D-07412264D1EC}" dt="2024-12-14T17:43:52.092" v="134" actId="478"/>
-          <ac:spMkLst>
-            <pc:docMk/>
-            <pc:sldMk cId="133422651" sldId="411"/>
-            <ac:spMk id="2" creationId="{AA491851-7F39-284F-0639-1667A6EAD06B}"/>
-          </ac:spMkLst>
-        </pc:spChg>
         <pc:spChg chg="mod">
           <ac:chgData name="Jesús Cantero" userId="811b4e6f03a26cda" providerId="LiveId" clId="{01534DDC-8237-4226-807D-07412264D1EC}" dt="2024-12-15T21:22:39.972" v="241" actId="20577"/>
           <ac:spMkLst>
@@ -293,30 +285,6 @@
             <ac:spMk id="3" creationId="{F959A910-625A-298D-D6FB-68D6DC667850}"/>
           </ac:spMkLst>
         </pc:spChg>
-        <pc:spChg chg="add mod">
-          <ac:chgData name="Jesús Cantero" userId="811b4e6f03a26cda" providerId="LiveId" clId="{01534DDC-8237-4226-807D-07412264D1EC}" dt="2024-12-14T17:43:57.406" v="135"/>
-          <ac:spMkLst>
-            <pc:docMk/>
-            <pc:sldMk cId="133422651" sldId="411"/>
-            <ac:spMk id="5" creationId="{5B1D5127-E0CE-E993-8BED-7890AABDFBFB}"/>
-          </ac:spMkLst>
-        </pc:spChg>
-        <pc:spChg chg="add del mod">
-          <ac:chgData name="Jesús Cantero" userId="811b4e6f03a26cda" providerId="LiveId" clId="{01534DDC-8237-4226-807D-07412264D1EC}" dt="2024-12-15T19:20:52.333" v="227" actId="478"/>
-          <ac:spMkLst>
-            <pc:docMk/>
-            <pc:sldMk cId="133422651" sldId="411"/>
-            <ac:spMk id="7" creationId="{3CED98BC-1A07-21D3-4F8F-94E546691847}"/>
-          </ac:spMkLst>
-        </pc:spChg>
-        <pc:picChg chg="del">
-          <ac:chgData name="Jesús Cantero" userId="811b4e6f03a26cda" providerId="LiveId" clId="{01534DDC-8237-4226-807D-07412264D1EC}" dt="2024-12-14T17:43:10.679" v="112" actId="478"/>
-          <ac:picMkLst>
-            <pc:docMk/>
-            <pc:sldMk cId="133422651" sldId="411"/>
-            <ac:picMk id="4" creationId="{907C9963-8A0E-EE2D-E17C-FF153C33B765}"/>
-          </ac:picMkLst>
-        </pc:picChg>
         <pc:picChg chg="add mod">
           <ac:chgData name="Jesús Cantero" userId="811b4e6f03a26cda" providerId="LiveId" clId="{01534DDC-8237-4226-807D-07412264D1EC}" dt="2024-12-15T21:28:44.657" v="269" actId="1076"/>
           <ac:picMkLst>
@@ -339,14 +307,6 @@
             <pc:docMk/>
             <pc:sldMk cId="133422651" sldId="411"/>
             <ac:picMk id="8" creationId="{FC717E49-A00D-A3CB-61EF-89E4F3DE33CC}"/>
-          </ac:picMkLst>
-        </pc:picChg>
-        <pc:picChg chg="add del mod">
-          <ac:chgData name="Jesús Cantero" userId="811b4e6f03a26cda" providerId="LiveId" clId="{01534DDC-8237-4226-807D-07412264D1EC}" dt="2024-12-15T21:26:11.112" v="253" actId="22"/>
-          <ac:picMkLst>
-            <pc:docMk/>
-            <pc:sldMk cId="133422651" sldId="411"/>
-            <ac:picMk id="10" creationId="{FEAA0910-6DF8-D1EB-C00A-9DC782C27721}"/>
           </ac:picMkLst>
         </pc:picChg>
         <pc:picChg chg="add mod">
@@ -443,7 +403,7 @@
             <a:pPr rtl="0"/>
             <a:fld id="{E92A46E5-772B-4A8A-A167-62663A29553C}" type="datetime1">
               <a:rPr lang="es-ES" smtClean="0"/>
-              <a:t>15/12/2024</a:t>
+              <a:t>20/12/2024</a:t>
             </a:fld>
             <a:endParaRPr lang="es-ES" dirty="0"/>
           </a:p>
@@ -663,7 +623,7 @@
             <a:pPr rtl="0"/>
             <a:fld id="{16DB30B6-91B7-493F-B445-96E1D2848A7B}" type="datetime1">
               <a:rPr lang="es-ES" smtClean="0"/>
-              <a:t>15/12/2024</a:t>
+              <a:t>20/12/2024</a:t>
             </a:fld>
             <a:endParaRPr lang="es-ES" dirty="0"/>
           </a:p>
@@ -10911,10 +10871,10 @@
       </p:grpSp>
       <p:pic>
         <p:nvPicPr>
-          <p:cNvPr id="4" name="Imagen 3">
+          <p:cNvPr id="5" name="Imagen 4">
             <a:extLst>
               <a:ext uri="{FF2B5EF4-FFF2-40B4-BE49-F238E27FC236}">
-                <a16:creationId xmlns:a16="http://schemas.microsoft.com/office/drawing/2014/main" id="{182C52BC-AE08-F4B2-DEEF-EAE2151C2271}"/>
+                <a16:creationId xmlns:a16="http://schemas.microsoft.com/office/drawing/2014/main" id="{86E8FFC4-3B20-1858-5281-F964EAC3C2B8}"/>
               </a:ext>
             </a:extLst>
           </p:cNvPr>
@@ -10931,8 +10891,8 @@
         </p:blipFill>
         <p:spPr>
           <a:xfrm>
-            <a:off x="2959226" y="2198384"/>
-            <a:ext cx="8944947" cy="4010287"/>
+            <a:off x="3116424" y="2398852"/>
+            <a:ext cx="8677469" cy="3920461"/>
           </a:xfrm>
           <a:prstGeom prst="rect">
             <a:avLst/>
@@ -11026,10 +10986,10 @@
       </p:sp>
       <p:pic>
         <p:nvPicPr>
-          <p:cNvPr id="9" name="Imagen 8">
+          <p:cNvPr id="6" name="Imagen 5">
             <a:extLst>
               <a:ext uri="{FF2B5EF4-FFF2-40B4-BE49-F238E27FC236}">
-                <a16:creationId xmlns:a16="http://schemas.microsoft.com/office/drawing/2014/main" id="{C01A74D9-8F7F-DBCA-A7EA-9A1E9389461B}"/>
+                <a16:creationId xmlns:a16="http://schemas.microsoft.com/office/drawing/2014/main" id="{5F36D37E-D6A5-4020-B7CD-A2F605340353}"/>
               </a:ext>
             </a:extLst>
           </p:cNvPr>
@@ -11046,8 +11006,8 @@
         </p:blipFill>
         <p:spPr>
           <a:xfrm>
-            <a:off x="205274" y="2850240"/>
-            <a:ext cx="5355789" cy="3046707"/>
+            <a:off x="594360" y="2860139"/>
+            <a:ext cx="4892351" cy="3126367"/>
           </a:xfrm>
           <a:prstGeom prst="rect">
             <a:avLst/>
@@ -11056,10 +11016,10 @@
       </p:pic>
       <p:pic>
         <p:nvPicPr>
-          <p:cNvPr id="11" name="Imagen 10">
+          <p:cNvPr id="8" name="Imagen 7">
             <a:extLst>
               <a:ext uri="{FF2B5EF4-FFF2-40B4-BE49-F238E27FC236}">
-                <a16:creationId xmlns:a16="http://schemas.microsoft.com/office/drawing/2014/main" id="{2C8A1C29-03C8-8FCC-8006-8D608FB074C3}"/>
+                <a16:creationId xmlns:a16="http://schemas.microsoft.com/office/drawing/2014/main" id="{38E51C92-5104-6A89-79C9-DC29A69BC3B3}"/>
               </a:ext>
             </a:extLst>
           </p:cNvPr>
@@ -11076,8 +11036,8 @@
         </p:blipFill>
         <p:spPr>
           <a:xfrm>
-            <a:off x="5722792" y="2850240"/>
-            <a:ext cx="5595257" cy="3146167"/>
+            <a:off x="5840096" y="2860139"/>
+            <a:ext cx="4737676" cy="3126367"/>
           </a:xfrm>
           <a:prstGeom prst="rect">
             <a:avLst/>
@@ -13152,35 +13112,6 @@
 </file>
 
 <file path=customXml/item1.xml><?xml version="1.0" encoding="utf-8"?>
-<?mso-contentType ?>
-<FormTemplates xmlns="http://schemas.microsoft.com/sharepoint/v3/contenttype/forms">
-  <Display>DocumentLibraryForm</Display>
-  <Edit>DocumentLibraryForm</Edit>
-  <New>DocumentLibraryForm</New>
-</FormTemplates>
-</file>
-
-<file path=customXml/item2.xml><?xml version="1.0" encoding="utf-8"?>
-<p:properties xmlns:p="http://schemas.microsoft.com/office/2006/metadata/properties" xmlns:xsi="http://www.w3.org/2001/XMLSchema-instance" xmlns:pc="http://schemas.microsoft.com/office/infopath/2007/PartnerControls">
-  <documentManagement>
-    <Background xmlns="71af3243-3dd4-4a8d-8c0d-dd76da1f02a5">false</Background>
-    <Status xmlns="71af3243-3dd4-4a8d-8c0d-dd76da1f02a5">Not started</Status>
-    <_ip_UnifiedCompliancePolicyUIAction xmlns="http://schemas.microsoft.com/sharepoint/v3" xsi:nil="true"/>
-    <Image xmlns="71af3243-3dd4-4a8d-8c0d-dd76da1f02a5">
-      <Url xsi:nil="true"/>
-      <Description xsi:nil="true"/>
-    </Image>
-    <_ip_UnifiedCompliancePolicyProperties xmlns="http://schemas.microsoft.com/sharepoint/v3" xsi:nil="true"/>
-    <ImageTagsTaxHTField xmlns="71af3243-3dd4-4a8d-8c0d-dd76da1f02a5">
-      <Terms xmlns="http://schemas.microsoft.com/office/infopath/2007/PartnerControls"/>
-    </ImageTagsTaxHTField>
-    <TaxCatchAll xmlns="230e9df3-be65-4c73-a93b-d1236ebd677e" xsi:nil="true"/>
-    <MediaServiceKeyPoints xmlns="71af3243-3dd4-4a8d-8c0d-dd76da1f02a5" xsi:nil="true"/>
-  </documentManagement>
-</p:properties>
-</file>
-
-<file path=customXml/item3.xml><?xml version="1.0" encoding="utf-8"?>
 <ct:contentTypeSchema xmlns:ct="http://schemas.microsoft.com/office/2006/metadata/contentType" xmlns:ma="http://schemas.microsoft.com/office/2006/metadata/properties/metaAttributes" ct:_="" ma:_="" ma:contentTypeName="Document" ma:contentTypeID="0x01010079F111ED35F8CC479449609E8A0923A6" ma:contentTypeVersion="28" ma:contentTypeDescription="Create a new document." ma:contentTypeScope="" ma:versionID="60f5a4f2d2b0abadcf532d48ebf9cb71">
   <xsd:schema xmlns:xsd="http://www.w3.org/2001/XMLSchema" xmlns:xs="http://www.w3.org/2001/XMLSchema" xmlns:p="http://schemas.microsoft.com/office/2006/metadata/properties" xmlns:ns1="http://schemas.microsoft.com/sharepoint/v3" xmlns:ns2="71af3243-3dd4-4a8d-8c0d-dd76da1f02a5" xmlns:ns3="16c05727-aa75-4e4a-9b5f-8a80a1165891" xmlns:ns4="230e9df3-be65-4c73-a93b-d1236ebd677e" targetNamespace="http://schemas.microsoft.com/office/2006/metadata/properties" ma:root="true" ma:fieldsID="7dd78129e6a1811f84807ad11c651531" ns1:_="" ns2:_="" ns3:_="" ns4:_="">
     <xsd:import namespace="http://schemas.microsoft.com/sharepoint/v3"/>
@@ -13492,27 +13423,36 @@
 </ct:contentTypeSchema>
 </file>
 
-<file path=customXml/itemProps1.xml><?xml version="1.0" encoding="utf-8"?>
-<ds:datastoreItem xmlns:ds="http://schemas.openxmlformats.org/officeDocument/2006/customXml" ds:itemID="{C21FFAC0-05A2-416A-B06C-C248395482CF}">
-  <ds:schemaRefs>
-    <ds:schemaRef ds:uri="http://schemas.microsoft.com/sharepoint/v3/contenttype/forms"/>
-  </ds:schemaRefs>
-</ds:datastoreItem>
+<file path=customXml/item2.xml><?xml version="1.0" encoding="utf-8"?>
+<p:properties xmlns:p="http://schemas.microsoft.com/office/2006/metadata/properties" xmlns:xsi="http://www.w3.org/2001/XMLSchema-instance" xmlns:pc="http://schemas.microsoft.com/office/infopath/2007/PartnerControls">
+  <documentManagement>
+    <Background xmlns="71af3243-3dd4-4a8d-8c0d-dd76da1f02a5">false</Background>
+    <Status xmlns="71af3243-3dd4-4a8d-8c0d-dd76da1f02a5">Not started</Status>
+    <_ip_UnifiedCompliancePolicyUIAction xmlns="http://schemas.microsoft.com/sharepoint/v3" xsi:nil="true"/>
+    <Image xmlns="71af3243-3dd4-4a8d-8c0d-dd76da1f02a5">
+      <Url xsi:nil="true"/>
+      <Description xsi:nil="true"/>
+    </Image>
+    <_ip_UnifiedCompliancePolicyProperties xmlns="http://schemas.microsoft.com/sharepoint/v3" xsi:nil="true"/>
+    <ImageTagsTaxHTField xmlns="71af3243-3dd4-4a8d-8c0d-dd76da1f02a5">
+      <Terms xmlns="http://schemas.microsoft.com/office/infopath/2007/PartnerControls"/>
+    </ImageTagsTaxHTField>
+    <TaxCatchAll xmlns="230e9df3-be65-4c73-a93b-d1236ebd677e" xsi:nil="true"/>
+    <MediaServiceKeyPoints xmlns="71af3243-3dd4-4a8d-8c0d-dd76da1f02a5" xsi:nil="true"/>
+  </documentManagement>
+</p:properties>
 </file>
 
-<file path=customXml/itemProps2.xml><?xml version="1.0" encoding="utf-8"?>
-<ds:datastoreItem xmlns:ds="http://schemas.openxmlformats.org/officeDocument/2006/customXml" ds:itemID="{4F4B194E-8B30-4377-8C59-ECFB902D2A26}">
-  <ds:schemaRefs>
-    <ds:schemaRef ds:uri="http://schemas.microsoft.com/office/2006/metadata/properties"/>
-    <ds:schemaRef ds:uri="http://schemas.microsoft.com/office/infopath/2007/PartnerControls"/>
-    <ds:schemaRef ds:uri="71af3243-3dd4-4a8d-8c0d-dd76da1f02a5"/>
-    <ds:schemaRef ds:uri="http://schemas.microsoft.com/sharepoint/v3"/>
-    <ds:schemaRef ds:uri="230e9df3-be65-4c73-a93b-d1236ebd677e"/>
-  </ds:schemaRefs>
-</ds:datastoreItem>
+<file path=customXml/item3.xml><?xml version="1.0" encoding="utf-8"?>
+<?mso-contentType ?>
+<FormTemplates xmlns="http://schemas.microsoft.com/sharepoint/v3/contenttype/forms">
+  <Display>DocumentLibraryForm</Display>
+  <Edit>DocumentLibraryForm</Edit>
+  <New>DocumentLibraryForm</New>
+</FormTemplates>
 </file>
 
-<file path=customXml/itemProps3.xml><?xml version="1.0" encoding="utf-8"?>
+<file path=customXml/itemProps1.xml><?xml version="1.0" encoding="utf-8"?>
 <ds:datastoreItem xmlns:ds="http://schemas.openxmlformats.org/officeDocument/2006/customXml" ds:itemID="{92DB9E12-8AC3-4138-BF4D-720A5525AB10}">
   <ds:schemaRefs>
     <ds:schemaRef ds:uri="http://schemas.microsoft.com/office/2006/metadata/contentType"/>
@@ -13533,6 +13473,26 @@
 </ds:datastoreItem>
 </file>
 
+<file path=customXml/itemProps2.xml><?xml version="1.0" encoding="utf-8"?>
+<ds:datastoreItem xmlns:ds="http://schemas.openxmlformats.org/officeDocument/2006/customXml" ds:itemID="{4F4B194E-8B30-4377-8C59-ECFB902D2A26}">
+  <ds:schemaRefs>
+    <ds:schemaRef ds:uri="http://schemas.microsoft.com/office/2006/metadata/properties"/>
+    <ds:schemaRef ds:uri="http://schemas.microsoft.com/office/infopath/2007/PartnerControls"/>
+    <ds:schemaRef ds:uri="71af3243-3dd4-4a8d-8c0d-dd76da1f02a5"/>
+    <ds:schemaRef ds:uri="http://schemas.microsoft.com/sharepoint/v3"/>
+    <ds:schemaRef ds:uri="230e9df3-be65-4c73-a93b-d1236ebd677e"/>
+  </ds:schemaRefs>
+</ds:datastoreItem>
+</file>
+
+<file path=customXml/itemProps3.xml><?xml version="1.0" encoding="utf-8"?>
+<ds:datastoreItem xmlns:ds="http://schemas.openxmlformats.org/officeDocument/2006/customXml" ds:itemID="{C21FFAC0-05A2-416A-B06C-C248395482CF}">
+  <ds:schemaRefs>
+    <ds:schemaRef ds:uri="http://schemas.microsoft.com/sharepoint/v3/contenttype/forms"/>
+  </ds:schemaRefs>
+</ds:datastoreItem>
+</file>
+
 <file path=docMetadata/LabelInfo.xml><?xml version="1.0" encoding="utf-8"?>
 <clbl:labelList xmlns:clbl="http://schemas.microsoft.com/office/2020/mipLabelMetadata"/>
 </file>